--- a/slides/AWS-EKS-Cluster-EFS-Provisioner.pptx
+++ b/slides/AWS-EKS-Cluster-EFS-Provisioner.pptx
@@ -203,7 +203,7 @@
             <a:fld id="{814910AB-AEF0-414C-82CB-791080B1186B}" type="datetimeFigureOut">
               <a:rPr lang="en-US" smtClean="0"/>
               <a:pPr/>
-              <a:t>4/14/2019</a:t>
+              <a:t>4/18/2019</a:t>
             </a:fld>
             <a:endParaRPr lang="en-US" dirty="0"/>
           </a:p>
@@ -370,7 +370,7 @@
             <a:fld id="{5B4AE38D-E020-46F3-803D-8636C5B7B74E}" type="datetimeFigureOut">
               <a:rPr lang="en-US" smtClean="0"/>
               <a:pPr/>
-              <a:t>4/14/2019</a:t>
+              <a:t>4/18/2019</a:t>
             </a:fld>
             <a:endParaRPr lang="en-US" dirty="0"/>
           </a:p>
@@ -1073,7 +1073,7 @@
             <a:fld id="{7DDB771E-4AED-4DD3-8AA1-5D9FD2224F14}" type="datetimeFigureOut">
               <a:rPr lang="en-US" smtClean="0"/>
               <a:pPr/>
-              <a:t>4/14/2019</a:t>
+              <a:t>4/18/2019</a:t>
             </a:fld>
             <a:endParaRPr lang="en-US" dirty="0"/>
           </a:p>
@@ -1240,7 +1240,7 @@
             <a:fld id="{7DDB771E-4AED-4DD3-8AA1-5D9FD2224F14}" type="datetimeFigureOut">
               <a:rPr lang="en-US" smtClean="0"/>
               <a:pPr/>
-              <a:t>4/14/2019</a:t>
+              <a:t>4/18/2019</a:t>
             </a:fld>
             <a:endParaRPr lang="en-US" dirty="0"/>
           </a:p>
@@ -1417,7 +1417,7 @@
             <a:fld id="{7DDB771E-4AED-4DD3-8AA1-5D9FD2224F14}" type="datetimeFigureOut">
               <a:rPr lang="en-US" smtClean="0"/>
               <a:pPr/>
-              <a:t>4/14/2019</a:t>
+              <a:t>4/18/2019</a:t>
             </a:fld>
             <a:endParaRPr lang="en-US" dirty="0"/>
           </a:p>
@@ -1584,7 +1584,7 @@
             <a:fld id="{7DDB771E-4AED-4DD3-8AA1-5D9FD2224F14}" type="datetimeFigureOut">
               <a:rPr lang="en-US" smtClean="0"/>
               <a:pPr/>
-              <a:t>4/14/2019</a:t>
+              <a:t>4/18/2019</a:t>
             </a:fld>
             <a:endParaRPr lang="en-US" dirty="0"/>
           </a:p>
@@ -1827,7 +1827,7 @@
             <a:fld id="{7DDB771E-4AED-4DD3-8AA1-5D9FD2224F14}" type="datetimeFigureOut">
               <a:rPr lang="en-US" smtClean="0"/>
               <a:pPr/>
-              <a:t>4/14/2019</a:t>
+              <a:t>4/18/2019</a:t>
             </a:fld>
             <a:endParaRPr lang="en-US" dirty="0"/>
           </a:p>
@@ -2112,7 +2112,7 @@
             <a:fld id="{7DDB771E-4AED-4DD3-8AA1-5D9FD2224F14}" type="datetimeFigureOut">
               <a:rPr lang="en-US" smtClean="0"/>
               <a:pPr/>
-              <a:t>4/14/2019</a:t>
+              <a:t>4/18/2019</a:t>
             </a:fld>
             <a:endParaRPr lang="en-US" dirty="0"/>
           </a:p>
@@ -2531,7 +2531,7 @@
             <a:fld id="{7DDB771E-4AED-4DD3-8AA1-5D9FD2224F14}" type="datetimeFigureOut">
               <a:rPr lang="en-US" smtClean="0"/>
               <a:pPr/>
-              <a:t>4/14/2019</a:t>
+              <a:t>4/18/2019</a:t>
             </a:fld>
             <a:endParaRPr lang="en-US" dirty="0"/>
           </a:p>
@@ -2646,7 +2646,7 @@
             <a:fld id="{7DDB771E-4AED-4DD3-8AA1-5D9FD2224F14}" type="datetimeFigureOut">
               <a:rPr lang="en-US" smtClean="0"/>
               <a:pPr/>
-              <a:t>4/14/2019</a:t>
+              <a:t>4/18/2019</a:t>
             </a:fld>
             <a:endParaRPr lang="en-US" dirty="0"/>
           </a:p>
@@ -2738,7 +2738,7 @@
             <a:fld id="{7DDB771E-4AED-4DD3-8AA1-5D9FD2224F14}" type="datetimeFigureOut">
               <a:rPr lang="en-US" smtClean="0"/>
               <a:pPr/>
-              <a:t>4/14/2019</a:t>
+              <a:t>4/18/2019</a:t>
             </a:fld>
             <a:endParaRPr lang="en-US" dirty="0"/>
           </a:p>
@@ -3012,7 +3012,7 @@
             <a:fld id="{7DDB771E-4AED-4DD3-8AA1-5D9FD2224F14}" type="datetimeFigureOut">
               <a:rPr lang="en-US" smtClean="0"/>
               <a:pPr/>
-              <a:t>4/14/2019</a:t>
+              <a:t>4/18/2019</a:t>
             </a:fld>
             <a:endParaRPr lang="en-US" dirty="0"/>
           </a:p>
@@ -3262,7 +3262,7 @@
             <a:fld id="{7DDB771E-4AED-4DD3-8AA1-5D9FD2224F14}" type="datetimeFigureOut">
               <a:rPr lang="en-US" smtClean="0"/>
               <a:pPr/>
-              <a:t>4/14/2019</a:t>
+              <a:t>4/18/2019</a:t>
             </a:fld>
             <a:endParaRPr lang="en-US" dirty="0"/>
           </a:p>
@@ -3472,7 +3472,7 @@
             <a:fld id="{7DDB771E-4AED-4DD3-8AA1-5D9FD2224F14}" type="datetimeFigureOut">
               <a:rPr lang="en-US" smtClean="0"/>
               <a:pPr/>
-              <a:t>4/14/2019</a:t>
+              <a:t>4/18/2019</a:t>
             </a:fld>
             <a:endParaRPr lang="en-US" dirty="0"/>
           </a:p>
@@ -3881,7 +3881,7 @@
         </p:nvSpPr>
         <p:spPr>
           <a:xfrm>
-            <a:off x="2875732" y="2777407"/>
+            <a:off x="2445426" y="3234607"/>
             <a:ext cx="3620861" cy="1754326"/>
           </a:xfrm>
           <a:prstGeom prst="rect">
@@ -3946,7 +3946,7 @@
         <p:spPr>
           <a:xfrm>
             <a:off x="1326777" y="1039906"/>
-            <a:ext cx="5988424" cy="1529123"/>
+            <a:ext cx="5988424" cy="1963270"/>
           </a:xfrm>
           <a:prstGeom prst="rect">
             <a:avLst/>
@@ -3970,15 +3970,7 @@
                 <a:ea typeface="+mj-ea"/>
                 <a:cs typeface="+mj-cs"/>
               </a:rPr>
-              <a:t>AWS </a:t>
-            </a:r>
-            <a:r>
-              <a:rPr lang="en-US" sz="4400" dirty="0" smtClean="0">
-                <a:latin typeface="+mj-lt"/>
-                <a:ea typeface="+mj-ea"/>
-                <a:cs typeface="+mj-cs"/>
-              </a:rPr>
-              <a:t>EKS with AWS EFS as Persistent Volumes</a:t>
+              <a:t>Using AWS EFS as Persistent Volumes with AWS EKS</a:t>
             </a:r>
             <a:endParaRPr kumimoji="0" lang="en-US" sz="4400" b="0" i="0" u="none" strike="noStrike" kern="1200" cap="none" spc="0" normalizeH="0" baseline="0" noProof="0" dirty="0">
               <a:ln>
@@ -4034,7 +4026,7 @@
         <p:spPr>
           <a:xfrm>
             <a:off x="1082028" y="1683147"/>
-            <a:ext cx="6705600" cy="2031325"/>
+            <a:ext cx="6705600" cy="3416320"/>
           </a:xfrm>
           <a:prstGeom prst="rect">
             <a:avLst/>
@@ -4099,8 +4091,47 @@
             </a:r>
             <a:r>
               <a:rPr lang="en-US" dirty="0"/>
-              <a:t>of Kubernetes workloads run on AWS today – Cloud Native Computing Foundation</a:t>
-            </a:r>
+              <a:t>of Kubernetes workloads run on AWS today – Cloud Native Computing </a:t>
+            </a:r>
+            <a:r>
+              <a:rPr lang="en-US" dirty="0" smtClean="0"/>
+              <a:t>Foundation</a:t>
+            </a:r>
+          </a:p>
+          <a:p>
+            <a:pPr>
+              <a:buFont typeface="Arial" pitchFamily="34" charset="0"/>
+              <a:buChar char="•"/>
+            </a:pPr>
+            <a:endParaRPr lang="en-US" dirty="0"/>
+          </a:p>
+          <a:p>
+            <a:pPr>
+              <a:buFont typeface="Arial" pitchFamily="34" charset="0"/>
+              <a:buChar char="•"/>
+            </a:pPr>
+            <a:r>
+              <a:rPr lang="en-US" dirty="0" smtClean="0"/>
+              <a:t>  So What Do You Do When Your Use Case Requires Persistent Storage when running Kubernetes on AWS?</a:t>
+            </a:r>
+          </a:p>
+          <a:p>
+            <a:pPr>
+              <a:buFont typeface="Arial" pitchFamily="34" charset="0"/>
+              <a:buChar char="•"/>
+            </a:pPr>
+            <a:endParaRPr lang="en-US" dirty="0"/>
+          </a:p>
+          <a:p>
+            <a:pPr>
+              <a:buFont typeface="Arial" pitchFamily="34" charset="0"/>
+              <a:buChar char="•"/>
+            </a:pPr>
+            <a:r>
+              <a:rPr lang="en-US" dirty="0" smtClean="0"/>
+              <a:t>  Are there AWS Any Managed Services I Can Use?</a:t>
+            </a:r>
+            <a:endParaRPr lang="en-US" dirty="0"/>
           </a:p>
         </p:txBody>
       </p:sp>
@@ -4175,7 +4206,7 @@
         <p:spPr>
           <a:xfrm>
             <a:off x="1082028" y="1456570"/>
-            <a:ext cx="7050468" cy="3139321"/>
+            <a:ext cx="7050468" cy="4247317"/>
           </a:xfrm>
           <a:prstGeom prst="rect">
             <a:avLst/>
@@ -4188,94 +4219,95 @@
           </a:bodyPr>
           <a:lstStyle/>
           <a:p>
-            <a:pPr>
+            <a:pPr marL="285750" indent="-285750">
               <a:buFont typeface="Arial" pitchFamily="34" charset="0"/>
               <a:buChar char="•"/>
             </a:pPr>
             <a:r>
+              <a:rPr lang="en-US" dirty="0"/>
+              <a:t>Amazon EFS automatically and instantly scales your file system storage capacity up or down as you add or remove files without disrupting your </a:t>
+            </a:r>
+            <a:r>
               <a:rPr lang="en-US" dirty="0" smtClean="0"/>
-              <a:t>  AWS </a:t>
-            </a:r>
-            <a:r>
-              <a:rPr lang="en-US" dirty="0"/>
-              <a:t>Managed Services enables you to quickly and easily deploy your cloud </a:t>
-            </a:r>
-            <a:r>
-              <a:rPr lang="en-US" dirty="0" smtClean="0"/>
-              <a:t>infrastructure</a:t>
-            </a:r>
-          </a:p>
-          <a:p>
-            <a:pPr lvl="1"/>
-            <a:endParaRPr lang="en-US" dirty="0" smtClean="0"/>
-          </a:p>
-          <a:p>
-            <a:pPr>
+              <a:t>applications</a:t>
+            </a:r>
+          </a:p>
+          <a:p>
+            <a:endParaRPr lang="en-US" dirty="0"/>
+          </a:p>
+          <a:p>
+            <a:pPr marL="285750" indent="-285750">
               <a:buFont typeface="Arial" pitchFamily="34" charset="0"/>
               <a:buChar char="•"/>
             </a:pPr>
             <a:r>
               <a:rPr lang="en-US" dirty="0"/>
-              <a:t> </a:t>
+              <a:t>Amazon EFS provides secure access for thousands of </a:t>
             </a:r>
             <a:r>
               <a:rPr lang="en-US" dirty="0" smtClean="0"/>
-              <a:t> Amazon </a:t>
-            </a:r>
-            <a:r>
-              <a:rPr lang="en-US" dirty="0"/>
-              <a:t>EKS runs up-to-date versions of the </a:t>
-            </a:r>
-            <a:r>
-              <a:rPr lang="en-US" dirty="0" smtClean="0"/>
-              <a:t>open-source Kubernetes software. Currently 1.12</a:t>
-            </a:r>
+              <a:t>connections</a:t>
+            </a:r>
+            <a:endParaRPr lang="en-US" dirty="0"/>
           </a:p>
           <a:p>
             <a:endParaRPr lang="en-US" dirty="0" smtClean="0"/>
           </a:p>
           <a:p>
-            <a:pPr>
+            <a:pPr marL="285750" indent="-285750">
               <a:buFont typeface="Arial" pitchFamily="34" charset="0"/>
               <a:buChar char="•"/>
             </a:pPr>
             <a:r>
               <a:rPr lang="en-US" dirty="0"/>
-              <a:t> </a:t>
+              <a:t>With Amazon EFS storage, you pay only for what you use. There is no need to provision storage in advance and there are no minimum commitments or up-front </a:t>
             </a:r>
             <a:r>
               <a:rPr lang="en-US" dirty="0" smtClean="0"/>
-              <a:t> This </a:t>
-            </a:r>
-            <a:r>
-              <a:rPr lang="en-US" dirty="0"/>
-              <a:t>means that you can easily migrate any standard Kubernetes application to Amazon EKS without any code modification </a:t>
-            </a:r>
-            <a:r>
-              <a:rPr lang="en-US" dirty="0" smtClean="0"/>
-              <a:t>required</a:t>
-            </a:r>
-          </a:p>
-          <a:p>
-            <a:pPr>
+              <a:t>fees</a:t>
+            </a:r>
+          </a:p>
+          <a:p>
+            <a:endParaRPr lang="en-US" dirty="0"/>
+          </a:p>
+          <a:p>
+            <a:pPr marL="285750" indent="-285750">
               <a:buFont typeface="Arial" pitchFamily="34" charset="0"/>
               <a:buChar char="•"/>
             </a:pPr>
-            <a:endParaRPr lang="en-US" dirty="0"/>
-          </a:p>
-          <a:p>
-            <a:pPr>
+            <a:r>
+              <a:rPr lang="en-US" dirty="0"/>
+              <a:t>Amazon EFS is a fully managed service providing shared file system storage for Linux </a:t>
+            </a:r>
+            <a:r>
+              <a:rPr lang="en-US" dirty="0" smtClean="0"/>
+              <a:t>workloads</a:t>
+            </a:r>
+          </a:p>
+          <a:p>
+            <a:pPr marL="285750" indent="-285750">
               <a:buFont typeface="Arial" pitchFamily="34" charset="0"/>
               <a:buChar char="•"/>
             </a:pPr>
+            <a:endParaRPr lang="en-US" dirty="0"/>
+          </a:p>
+          <a:p>
+            <a:pPr marL="285750" indent="-285750">
+              <a:buFont typeface="Arial" pitchFamily="34" charset="0"/>
+              <a:buChar char="•"/>
+            </a:pPr>
             <a:r>
               <a:rPr lang="en-US" dirty="0" smtClean="0"/>
-              <a:t>  On Demand</a:t>
-            </a:r>
-            <a:endParaRPr lang="en-US" dirty="0"/>
-          </a:p>
-          <a:p>
-            <a:endParaRPr lang="en-US" dirty="0" smtClean="0"/>
+              <a:t>Can Be Configured as Persistent Volumes when using Kubernetes</a:t>
+            </a:r>
+            <a:endParaRPr lang="en-US" dirty="0"/>
+          </a:p>
+          <a:p>
+            <a:pPr marL="285750" indent="-285750">
+              <a:buFont typeface="Arial" pitchFamily="34" charset="0"/>
+              <a:buChar char="•"/>
+            </a:pPr>
+            <a:endParaRPr lang="en-US" dirty="0"/>
           </a:p>
         </p:txBody>
       </p:sp>
@@ -4303,7 +4335,7 @@
           <a:p>
             <a:r>
               <a:rPr lang="en-US" dirty="0" smtClean="0"/>
-              <a:t>Why AWS EKS?</a:t>
+              <a:t>Why AWS EFS?</a:t>
             </a:r>
             <a:endParaRPr lang="en-US" dirty="0"/>
           </a:p>
@@ -4370,11 +4402,7 @@
           <a:p>
             <a:r>
               <a:rPr lang="en-US" dirty="0" smtClean="0"/>
-              <a:t>Persistent </a:t>
-            </a:r>
-            <a:r>
-              <a:rPr lang="en-US" dirty="0" smtClean="0"/>
-              <a:t>Volumes</a:t>
+              <a:t>Persistent Volumes</a:t>
             </a:r>
             <a:endParaRPr lang="en-US" dirty="0"/>
           </a:p>
@@ -4485,7 +4513,7 @@
         <p:spPr>
           <a:xfrm>
             <a:off x="757367" y="1584186"/>
-            <a:ext cx="7515090" cy="1477328"/>
+            <a:ext cx="7515090" cy="1754326"/>
           </a:xfrm>
           <a:prstGeom prst="rect">
             <a:avLst/>
@@ -4504,19 +4532,11 @@
             </a:pPr>
             <a:r>
               <a:rPr lang="en-US" dirty="0" smtClean="0"/>
-              <a:t>  To save time an AWS EKS Cluster has been configured </a:t>
+              <a:t>  To save time an AWS EKS Cluster has been configured and an EC2 Instance with kubectl as well as created an AWS EFS </a:t>
             </a:r>
             <a:r>
               <a:rPr lang="en-US" dirty="0" smtClean="0"/>
-              <a:t>and </a:t>
-            </a:r>
-            <a:r>
-              <a:rPr lang="en-US" dirty="0" smtClean="0"/>
-              <a:t>an EC2 Instance with </a:t>
-            </a:r>
-            <a:r>
-              <a:rPr lang="en-US" dirty="0" smtClean="0"/>
-              <a:t>kubectl</a:t>
+              <a:t>File System</a:t>
             </a:r>
             <a:endParaRPr lang="en-US" dirty="0" smtClean="0"/>
           </a:p>
@@ -4527,13 +4547,8 @@
             </a:pPr>
             <a:r>
               <a:rPr lang="en-US" dirty="0" smtClean="0"/>
-              <a:t>  </a:t>
-            </a:r>
-            <a:r>
-              <a:rPr lang="en-US" dirty="0" smtClean="0"/>
-              <a:t>We’ll:</a:t>
-            </a:r>
-            <a:endParaRPr lang="en-US" dirty="0" smtClean="0"/>
+              <a:t>  We’ll:</a:t>
+            </a:r>
           </a:p>
           <a:p>
             <a:pPr lvl="1">
@@ -4541,36 +4556,23 @@
               <a:buChar char="•"/>
             </a:pPr>
             <a:r>
-              <a:rPr lang="en-US" dirty="0"/>
-              <a:t> </a:t>
-            </a:r>
-            <a:r>
               <a:rPr lang="en-US" dirty="0" smtClean="0"/>
-              <a:t> </a:t>
+              <a:t>   </a:t>
             </a:r>
             <a:r>
               <a:rPr lang="en-US" dirty="0" smtClean="0"/>
-              <a:t>Attach </a:t>
-            </a:r>
+              <a:t>Create </a:t>
+            </a:r>
+            <a:endParaRPr lang="en-US" dirty="0" smtClean="0"/>
+          </a:p>
+          <a:p>
+            <a:pPr lvl="1">
+              <a:buFont typeface="Arial" pitchFamily="34" charset="0"/>
+              <a:buChar char="•"/>
+            </a:pPr>
             <a:r>
               <a:rPr lang="en-US" dirty="0" smtClean="0"/>
-              <a:t>to each pod in the service and </a:t>
-            </a:r>
-            <a:r>
-              <a:rPr lang="en-US" dirty="0" smtClean="0"/>
-              <a:t>verify the </a:t>
-            </a:r>
-            <a:r>
-              <a:rPr lang="en-US" dirty="0" smtClean="0"/>
-              <a:t>persistent storage </a:t>
-            </a:r>
-            <a:r>
-              <a:rPr lang="en-US" dirty="0" smtClean="0"/>
-              <a:t>shared across pods/nodes/availability </a:t>
-            </a:r>
-            <a:r>
-              <a:rPr lang="en-US" dirty="0" smtClean="0"/>
-              <a:t>zones</a:t>
+              <a:t>  Attach to each pod in the service and verify the persistent storage is shared across pods/nodes/availability zones</a:t>
             </a:r>
           </a:p>
         </p:txBody>
@@ -4677,13 +4679,8 @@
             </a:r>
             <a:r>
               <a:rPr lang="en-US" dirty="0" smtClean="0"/>
-              <a:t>EFS is a AWS Managed Service, so it won’t be available across </a:t>
-            </a:r>
-            <a:r>
-              <a:rPr lang="en-US" dirty="0" smtClean="0"/>
-              <a:t>cloud platforms</a:t>
-            </a:r>
-            <a:endParaRPr lang="en-US" dirty="0" smtClean="0"/>
+              <a:t>EFS is a AWS Managed Service, so it won’t be available across cloud platforms</a:t>
+            </a:r>
           </a:p>
           <a:p>
             <a:pPr>
@@ -4706,11 +4703,7 @@
             </a:r>
             <a:r>
               <a:rPr lang="en-US" dirty="0" smtClean="0"/>
-              <a:t> </a:t>
-            </a:r>
-            <a:r>
-              <a:rPr lang="en-US" dirty="0" smtClean="0"/>
-              <a:t>No 3</a:t>
+              <a:t> No 3</a:t>
             </a:r>
             <a:r>
               <a:rPr lang="en-US" baseline="30000" dirty="0" smtClean="0"/>
@@ -4718,8 +4711,13 @@
             </a:r>
             <a:r>
               <a:rPr lang="en-US" dirty="0" smtClean="0"/>
-              <a:t> Party Products to Install and Configure</a:t>
-            </a:r>
+              <a:t> Party Products to Install, Configure, </a:t>
+            </a:r>
+            <a:r>
+              <a:rPr lang="en-US" smtClean="0"/>
+              <a:t>and Manage</a:t>
+            </a:r>
+            <a:endParaRPr lang="en-US" dirty="0" smtClean="0"/>
           </a:p>
           <a:p>
             <a:pPr lvl="1">
@@ -4732,11 +4730,7 @@
             </a:r>
             <a:r>
               <a:rPr lang="en-US" dirty="0" smtClean="0"/>
-              <a:t> </a:t>
-            </a:r>
-            <a:r>
-              <a:rPr lang="en-US" dirty="0" smtClean="0"/>
-              <a:t>Fast Provisioning</a:t>
+              <a:t> Fast Provisioning</a:t>
             </a:r>
           </a:p>
           <a:p>
@@ -4750,11 +4744,7 @@
             </a:r>
             <a:r>
               <a:rPr lang="en-US" dirty="0" smtClean="0"/>
-              <a:t> </a:t>
-            </a:r>
-            <a:r>
-              <a:rPr lang="en-US" dirty="0" smtClean="0"/>
-              <a:t>Persistent </a:t>
+              <a:t> Persistent </a:t>
             </a:r>
             <a:r>
               <a:rPr lang="en-US" dirty="0"/>
@@ -4762,11 +4752,7 @@
             </a:r>
             <a:r>
               <a:rPr lang="en-US" dirty="0" smtClean="0"/>
-              <a:t>olumes </a:t>
-            </a:r>
-            <a:r>
-              <a:rPr lang="en-US" dirty="0" smtClean="0"/>
-              <a:t>across Nodes and Availability Zones</a:t>
+              <a:t>olumes across Nodes and Availability Zones</a:t>
             </a:r>
           </a:p>
         </p:txBody>
@@ -4927,11 +4913,7 @@
           <a:p>
             <a:r>
               <a:rPr lang="en-US" dirty="0" smtClean="0"/>
-              <a:t>Kubernetes </a:t>
-            </a:r>
-            <a:r>
-              <a:rPr lang="en-US" dirty="0" smtClean="0"/>
-              <a:t>Persistent </a:t>
+              <a:t>Kubernetes Persistent </a:t>
             </a:r>
             <a:r>
               <a:rPr lang="en-US" dirty="0"/>
